--- a/PPT/Presentation file.pptx
+++ b/PPT/Presentation file.pptx
@@ -32,8 +32,12 @@
   <p:notesSz cx="6858000" cy="9144000"/>
   <p:embeddedFontLst>
     <p:embeddedFont>
+      <p:font typeface="Algerian" panose="04020705040A02060702" pitchFamily="82" charset="0"/>
+      <p:regular r:id="rId22"/>
+    </p:embeddedFont>
+    <p:embeddedFont>
       <p:font typeface="Clear Sans Regular Bold" panose="020B0604020202020204" charset="0"/>
-      <p:regular r:id="rId22"/>
+      <p:regular r:id="rId23"/>
     </p:embeddedFont>
   </p:embeddedFontLst>
   <p:defaultTextStyle>
@@ -150,17 +154,24 @@
 </p:presentation>
 </file>
 
-<file path=ppt/revisionInfo.xml><?xml version="1.0" encoding="utf-8"?>
-<p1510:revInfo xmlns:a="http://schemas.openxmlformats.org/drawingml/2006/main" xmlns:r="http://schemas.openxmlformats.org/officeDocument/2006/relationships" xmlns:p1510="http://schemas.microsoft.com/office/powerpoint/2015/10/main">
-  <p1510:revLst>
-    <p1510:client id="{26C25E93-59DE-4FD5-A2AE-B5873047E44C}" v="16" dt="2024-05-09T04:34:58.629"/>
-    <p1510:client id="{2AB7FACF-7F31-4A20-A067-807D0EFBF36C}" v="34" dt="2024-05-08T06:25:52.962"/>
-  </p1510:revLst>
-</p1510:revInfo>
-</file>
-
 <file path=ppt/changesInfos/changesInfo1.xml><?xml version="1.0" encoding="utf-8"?>
 <pc:chgInfo xmlns:a="http://schemas.openxmlformats.org/drawingml/2006/main" xmlns:r="http://schemas.openxmlformats.org/officeDocument/2006/relationships" xmlns:ac="http://schemas.microsoft.com/office/drawing/2013/main/command" xmlns:pc="http://schemas.microsoft.com/office/powerpoint/2013/main/command">
+  <pc:docChgLst>
+    <pc:chgData name="noonsavath nithin" userId="159f9fec75ff079b" providerId="LiveId" clId="{5D7094B8-FFFA-42DE-B7A1-C509C0C596FF}"/>
+    <pc:docChg chg="modSld">
+      <pc:chgData name="noonsavath nithin" userId="159f9fec75ff079b" providerId="LiveId" clId="{5D7094B8-FFFA-42DE-B7A1-C509C0C596FF}" dt="2024-12-06T07:26:07.834" v="3" actId="20577"/>
+      <pc:docMkLst>
+        <pc:docMk/>
+      </pc:docMkLst>
+      <pc:sldChg chg="modSp mod">
+        <pc:chgData name="noonsavath nithin" userId="159f9fec75ff079b" providerId="LiveId" clId="{5D7094B8-FFFA-42DE-B7A1-C509C0C596FF}" dt="2024-12-06T07:26:07.834" v="3" actId="20577"/>
+        <pc:sldMkLst>
+          <pc:docMk/>
+          <pc:sldMk cId="0" sldId="259"/>
+        </pc:sldMkLst>
+      </pc:sldChg>
+    </pc:docChg>
+  </pc:docChgLst>
   <pc:docChgLst>
     <pc:chgData name="noonsavath nithin" userId="159f9fec75ff079b" providerId="Windows Live" clId="Web-{26C25E93-59DE-4FD5-A2AE-B5873047E44C}"/>
     <pc:docChg chg="modSld">
@@ -174,32 +185,70 @@
           <pc:docMk/>
           <pc:sldMk cId="0" sldId="260"/>
         </pc:sldMkLst>
+      </pc:sldChg>
+    </pc:docChg>
+  </pc:docChgLst>
+  <pc:docChgLst>
+    <pc:chgData name="noonsavath nithin" userId="159f9fec75ff079b" providerId="LiveId" clId="{19566193-93DA-4DCE-BBB7-8950101E9D80}"/>
+    <pc:docChg chg="custSel modSld">
+      <pc:chgData name="noonsavath nithin" userId="159f9fec75ff079b" providerId="LiveId" clId="{19566193-93DA-4DCE-BBB7-8950101E9D80}" dt="2025-03-11T03:05:23.736" v="166" actId="1076"/>
+      <pc:docMkLst>
+        <pc:docMk/>
+      </pc:docMkLst>
+      <pc:sldChg chg="modSp mod">
+        <pc:chgData name="noonsavath nithin" userId="159f9fec75ff079b" providerId="LiveId" clId="{19566193-93DA-4DCE-BBB7-8950101E9D80}" dt="2025-03-06T11:45:31.996" v="63" actId="2711"/>
+        <pc:sldMkLst>
+          <pc:docMk/>
+          <pc:sldMk cId="0" sldId="256"/>
+        </pc:sldMkLst>
         <pc:spChg chg="mod">
-          <ac:chgData name="noonsavath nithin" userId="159f9fec75ff079b" providerId="Windows Live" clId="Web-{26C25E93-59DE-4FD5-A2AE-B5873047E44C}" dt="2024-05-09T04:34:34.082" v="3" actId="20577"/>
+          <ac:chgData name="noonsavath nithin" userId="159f9fec75ff079b" providerId="LiveId" clId="{19566193-93DA-4DCE-BBB7-8950101E9D80}" dt="2025-03-06T11:45:31.996" v="63" actId="2711"/>
+          <ac:spMkLst>
+            <pc:docMk/>
+            <pc:sldMk cId="0" sldId="256"/>
+            <ac:spMk id="24" creationId="{00000000-0000-0000-0000-000000000000}"/>
+          </ac:spMkLst>
+        </pc:spChg>
+        <pc:grpChg chg="mod">
+          <ac:chgData name="noonsavath nithin" userId="159f9fec75ff079b" providerId="LiveId" clId="{19566193-93DA-4DCE-BBB7-8950101E9D80}" dt="2025-03-06T10:07:02.711" v="0" actId="1036"/>
+          <ac:grpSpMkLst>
+            <pc:docMk/>
+            <pc:sldMk cId="0" sldId="256"/>
+            <ac:grpSpMk id="20" creationId="{00000000-0000-0000-0000-000000000000}"/>
+          </ac:grpSpMkLst>
+        </pc:grpChg>
+      </pc:sldChg>
+      <pc:sldChg chg="modSp mod">
+        <pc:chgData name="noonsavath nithin" userId="159f9fec75ff079b" providerId="LiveId" clId="{19566193-93DA-4DCE-BBB7-8950101E9D80}" dt="2025-03-06T11:47:26.537" v="133" actId="20577"/>
+        <pc:sldMkLst>
+          <pc:docMk/>
+          <pc:sldMk cId="0" sldId="258"/>
+        </pc:sldMkLst>
+        <pc:spChg chg="mod">
+          <ac:chgData name="noonsavath nithin" userId="159f9fec75ff079b" providerId="LiveId" clId="{19566193-93DA-4DCE-BBB7-8950101E9D80}" dt="2025-03-06T11:47:26.537" v="133" actId="20577"/>
+          <ac:spMkLst>
+            <pc:docMk/>
+            <pc:sldMk cId="0" sldId="258"/>
+            <ac:spMk id="35" creationId="{7AD1E8D2-8663-87E7-784F-5C4A4C13E1C8}"/>
+          </ac:spMkLst>
+        </pc:spChg>
+      </pc:sldChg>
+      <pc:sldChg chg="modSp mod">
+        <pc:chgData name="noonsavath nithin" userId="159f9fec75ff079b" providerId="LiveId" clId="{19566193-93DA-4DCE-BBB7-8950101E9D80}" dt="2025-03-11T03:05:23.736" v="166" actId="1076"/>
+        <pc:sldMkLst>
+          <pc:docMk/>
+          <pc:sldMk cId="0" sldId="260"/>
+        </pc:sldMkLst>
+        <pc:spChg chg="mod">
+          <ac:chgData name="noonsavath nithin" userId="159f9fec75ff079b" providerId="LiveId" clId="{19566193-93DA-4DCE-BBB7-8950101E9D80}" dt="2025-03-11T03:05:19.455" v="165" actId="1076"/>
           <ac:spMkLst>
             <pc:docMk/>
             <pc:sldMk cId="0" sldId="260"/>
-            <ac:spMk id="9" creationId="{44F8D460-1005-E700-DDC7-2C6A19B56647}"/>
+            <ac:spMk id="15" creationId="{00000000-0000-0000-0000-000000000000}"/>
           </ac:spMkLst>
         </pc:spChg>
         <pc:spChg chg="mod">
-          <ac:chgData name="noonsavath nithin" userId="159f9fec75ff079b" providerId="Windows Live" clId="Web-{26C25E93-59DE-4FD5-A2AE-B5873047E44C}" dt="2024-05-09T04:34:15.019" v="1" actId="20577"/>
-          <ac:spMkLst>
-            <pc:docMk/>
-            <pc:sldMk cId="0" sldId="260"/>
-            <ac:spMk id="12" creationId="{3509BAB2-5CA8-377E-D19F-C7BEC269462E}"/>
-          </ac:spMkLst>
-        </pc:spChg>
-        <pc:spChg chg="mod">
-          <ac:chgData name="noonsavath nithin" userId="159f9fec75ff079b" providerId="Windows Live" clId="Web-{26C25E93-59DE-4FD5-A2AE-B5873047E44C}" dt="2024-05-09T04:34:06.659" v="0" actId="20577"/>
-          <ac:spMkLst>
-            <pc:docMk/>
-            <pc:sldMk cId="0" sldId="260"/>
-            <ac:spMk id="34" creationId="{DD7F6475-5AED-C7E2-1F48-C0808059A61D}"/>
-          </ac:spMkLst>
-        </pc:spChg>
-        <pc:spChg chg="mod">
-          <ac:chgData name="noonsavath nithin" userId="159f9fec75ff079b" providerId="Windows Live" clId="Web-{26C25E93-59DE-4FD5-A2AE-B5873047E44C}" dt="2024-05-09T04:34:29.035" v="2" actId="20577"/>
+          <ac:chgData name="noonsavath nithin" userId="159f9fec75ff079b" providerId="LiveId" clId="{19566193-93DA-4DCE-BBB7-8950101E9D80}" dt="2025-03-06T11:45:46.836" v="77" actId="20577"/>
           <ac:spMkLst>
             <pc:docMk/>
             <pc:sldMk cId="0" sldId="260"/>
@@ -207,13 +256,201 @@
           </ac:spMkLst>
         </pc:spChg>
         <pc:spChg chg="mod">
-          <ac:chgData name="noonsavath nithin" userId="159f9fec75ff079b" providerId="Windows Live" clId="Web-{26C25E93-59DE-4FD5-A2AE-B5873047E44C}" dt="2024-05-09T04:34:58.629" v="5" actId="20577"/>
+          <ac:chgData name="noonsavath nithin" userId="159f9fec75ff079b" providerId="LiveId" clId="{19566193-93DA-4DCE-BBB7-8950101E9D80}" dt="2025-03-06T11:45:56.838" v="92" actId="20577"/>
           <ac:spMkLst>
             <pc:docMk/>
             <pc:sldMk cId="0" sldId="260"/>
             <ac:spMk id="52" creationId="{A0A0C708-2B57-B15D-B23D-267B34D56632}"/>
           </ac:spMkLst>
         </pc:spChg>
+        <pc:grpChg chg="mod">
+          <ac:chgData name="noonsavath nithin" userId="159f9fec75ff079b" providerId="LiveId" clId="{19566193-93DA-4DCE-BBB7-8950101E9D80}" dt="2025-03-11T03:05:03.292" v="163" actId="1076"/>
+          <ac:grpSpMkLst>
+            <pc:docMk/>
+            <pc:sldMk cId="0" sldId="260"/>
+            <ac:grpSpMk id="14" creationId="{958461F3-7DFE-702D-1EFC-C3158A8D4E6D}"/>
+          </ac:grpSpMkLst>
+        </pc:grpChg>
+        <pc:grpChg chg="mod">
+          <ac:chgData name="noonsavath nithin" userId="159f9fec75ff079b" providerId="LiveId" clId="{19566193-93DA-4DCE-BBB7-8950101E9D80}" dt="2025-03-11T03:05:10.461" v="164" actId="1076"/>
+          <ac:grpSpMkLst>
+            <pc:docMk/>
+            <pc:sldMk cId="0" sldId="260"/>
+            <ac:grpSpMk id="16" creationId="{00000000-0000-0000-0000-000000000000}"/>
+          </ac:grpSpMkLst>
+        </pc:grpChg>
+        <pc:grpChg chg="mod">
+          <ac:chgData name="noonsavath nithin" userId="159f9fec75ff079b" providerId="LiveId" clId="{19566193-93DA-4DCE-BBB7-8950101E9D80}" dt="2025-03-11T03:04:58.777" v="162" actId="1076"/>
+          <ac:grpSpMkLst>
+            <pc:docMk/>
+            <pc:sldMk cId="0" sldId="260"/>
+            <ac:grpSpMk id="26" creationId="{00000000-0000-0000-0000-000000000000}"/>
+          </ac:grpSpMkLst>
+        </pc:grpChg>
+        <pc:grpChg chg="mod">
+          <ac:chgData name="noonsavath nithin" userId="159f9fec75ff079b" providerId="LiveId" clId="{19566193-93DA-4DCE-BBB7-8950101E9D80}" dt="2025-03-11T03:05:23.736" v="166" actId="1076"/>
+          <ac:grpSpMkLst>
+            <pc:docMk/>
+            <pc:sldMk cId="0" sldId="260"/>
+            <ac:grpSpMk id="41" creationId="{F4404E1B-73A8-AF38-35B8-BBE5FABBA617}"/>
+          </ac:grpSpMkLst>
+        </pc:grpChg>
+      </pc:sldChg>
+      <pc:sldChg chg="addSp modSp mod">
+        <pc:chgData name="noonsavath nithin" userId="159f9fec75ff079b" providerId="LiveId" clId="{19566193-93DA-4DCE-BBB7-8950101E9D80}" dt="2025-03-06T12:22:38.064" v="153" actId="207"/>
+        <pc:sldMkLst>
+          <pc:docMk/>
+          <pc:sldMk cId="0" sldId="261"/>
+        </pc:sldMkLst>
+        <pc:spChg chg="mod">
+          <ac:chgData name="noonsavath nithin" userId="159f9fec75ff079b" providerId="LiveId" clId="{19566193-93DA-4DCE-BBB7-8950101E9D80}" dt="2025-03-06T12:21:03.144" v="141" actId="2711"/>
+          <ac:spMkLst>
+            <pc:docMk/>
+            <pc:sldMk cId="0" sldId="261"/>
+            <ac:spMk id="39" creationId="{B31C98CD-27AB-8B5E-4C0E-7B0968A8A33E}"/>
+          </ac:spMkLst>
+        </pc:spChg>
+        <pc:spChg chg="add">
+          <ac:chgData name="noonsavath nithin" userId="159f9fec75ff079b" providerId="LiveId" clId="{19566193-93DA-4DCE-BBB7-8950101E9D80}" dt="2025-03-06T12:22:08.303" v="148"/>
+          <ac:spMkLst>
+            <pc:docMk/>
+            <pc:sldMk cId="0" sldId="261"/>
+            <ac:spMk id="40" creationId="{A8D96C7D-9BE4-0068-7D24-C217894888DE}"/>
+          </ac:spMkLst>
+        </pc:spChg>
+        <pc:spChg chg="mod">
+          <ac:chgData name="noonsavath nithin" userId="159f9fec75ff079b" providerId="LiveId" clId="{19566193-93DA-4DCE-BBB7-8950101E9D80}" dt="2025-03-06T12:21:10.778" v="142" actId="2711"/>
+          <ac:spMkLst>
+            <pc:docMk/>
+            <pc:sldMk cId="0" sldId="261"/>
+            <ac:spMk id="41" creationId="{9CDEBC1F-A1A0-7C9E-4020-55D13B90C002}"/>
+          </ac:spMkLst>
+        </pc:spChg>
+        <pc:spChg chg="mod">
+          <ac:chgData name="noonsavath nithin" userId="159f9fec75ff079b" providerId="LiveId" clId="{19566193-93DA-4DCE-BBB7-8950101E9D80}" dt="2025-03-06T12:22:38.064" v="153" actId="207"/>
+          <ac:spMkLst>
+            <pc:docMk/>
+            <pc:sldMk cId="0" sldId="261"/>
+            <ac:spMk id="43" creationId="{D5809D55-1E2B-7544-A6BE-907719B956C8}"/>
+          </ac:spMkLst>
+        </pc:spChg>
+        <pc:spChg chg="mod">
+          <ac:chgData name="noonsavath nithin" userId="159f9fec75ff079b" providerId="LiveId" clId="{19566193-93DA-4DCE-BBB7-8950101E9D80}" dt="2025-03-06T12:21:50.265" v="147" actId="207"/>
+          <ac:spMkLst>
+            <pc:docMk/>
+            <pc:sldMk cId="0" sldId="261"/>
+            <ac:spMk id="44" creationId="{60E5D2F3-1F23-C332-C1FB-E2AC0F48564D}"/>
+          </ac:spMkLst>
+        </pc:spChg>
+        <pc:spChg chg="add mod">
+          <ac:chgData name="noonsavath nithin" userId="159f9fec75ff079b" providerId="LiveId" clId="{19566193-93DA-4DCE-BBB7-8950101E9D80}" dt="2025-03-06T12:22:16.748" v="149"/>
+          <ac:spMkLst>
+            <pc:docMk/>
+            <pc:sldMk cId="0" sldId="261"/>
+            <ac:spMk id="45" creationId="{DB822393-617A-8004-6A85-3D894B92F9A8}"/>
+          </ac:spMkLst>
+        </pc:spChg>
+      </pc:sldChg>
+      <pc:sldChg chg="modSp mod">
+        <pc:chgData name="noonsavath nithin" userId="159f9fec75ff079b" providerId="LiveId" clId="{19566193-93DA-4DCE-BBB7-8950101E9D80}" dt="2025-03-06T11:51:17.540" v="135" actId="12"/>
+        <pc:sldMkLst>
+          <pc:docMk/>
+          <pc:sldMk cId="3734270102" sldId="270"/>
+        </pc:sldMkLst>
+        <pc:spChg chg="mod">
+          <ac:chgData name="noonsavath nithin" userId="159f9fec75ff079b" providerId="LiveId" clId="{19566193-93DA-4DCE-BBB7-8950101E9D80}" dt="2025-03-06T11:51:17.540" v="135" actId="12"/>
+          <ac:spMkLst>
+            <pc:docMk/>
+            <pc:sldMk cId="3734270102" sldId="270"/>
+            <ac:spMk id="6" creationId="{6569AB46-3E62-1D44-BAC7-C950A35E690E}"/>
+          </ac:spMkLst>
+        </pc:spChg>
+      </pc:sldChg>
+      <pc:sldChg chg="modSp mod">
+        <pc:chgData name="noonsavath nithin" userId="159f9fec75ff079b" providerId="LiveId" clId="{19566193-93DA-4DCE-BBB7-8950101E9D80}" dt="2025-03-06T11:51:53.499" v="138" actId="12"/>
+        <pc:sldMkLst>
+          <pc:docMk/>
+          <pc:sldMk cId="1674000366" sldId="283"/>
+        </pc:sldMkLst>
+        <pc:spChg chg="mod">
+          <ac:chgData name="noonsavath nithin" userId="159f9fec75ff079b" providerId="LiveId" clId="{19566193-93DA-4DCE-BBB7-8950101E9D80}" dt="2025-03-06T11:51:53.499" v="138" actId="12"/>
+          <ac:spMkLst>
+            <pc:docMk/>
+            <pc:sldMk cId="1674000366" sldId="283"/>
+            <ac:spMk id="18" creationId="{2C9F4726-AADE-BA8A-3CE0-F62C61140EE9}"/>
+          </ac:spMkLst>
+        </pc:spChg>
+      </pc:sldChg>
+      <pc:sldChg chg="addSp delSp modSp mod">
+        <pc:chgData name="noonsavath nithin" userId="159f9fec75ff079b" providerId="LiveId" clId="{19566193-93DA-4DCE-BBB7-8950101E9D80}" dt="2025-03-06T12:23:27.996" v="161" actId="14100"/>
+        <pc:sldMkLst>
+          <pc:docMk/>
+          <pc:sldMk cId="3040748827" sldId="284"/>
+        </pc:sldMkLst>
+        <pc:spChg chg="add">
+          <ac:chgData name="noonsavath nithin" userId="159f9fec75ff079b" providerId="LiveId" clId="{19566193-93DA-4DCE-BBB7-8950101E9D80}" dt="2025-03-06T10:12:01.657" v="37"/>
+          <ac:spMkLst>
+            <pc:docMk/>
+            <pc:sldMk cId="3040748827" sldId="284"/>
+            <ac:spMk id="6" creationId="{A81BB882-BDBE-797E-B97F-4EDFA0BB0735}"/>
+          </ac:spMkLst>
+        </pc:spChg>
+        <pc:spChg chg="add mod">
+          <ac:chgData name="noonsavath nithin" userId="159f9fec75ff079b" providerId="LiveId" clId="{19566193-93DA-4DCE-BBB7-8950101E9D80}" dt="2025-03-06T10:13:08.816" v="38"/>
+          <ac:spMkLst>
+            <pc:docMk/>
+            <pc:sldMk cId="3040748827" sldId="284"/>
+            <ac:spMk id="9" creationId="{4648B50A-89BD-7CA0-F807-30C3F8D32955}"/>
+          </ac:spMkLst>
+        </pc:spChg>
+        <pc:picChg chg="mod">
+          <ac:chgData name="noonsavath nithin" userId="159f9fec75ff079b" providerId="LiveId" clId="{19566193-93DA-4DCE-BBB7-8950101E9D80}" dt="2025-03-06T12:23:23.840" v="160" actId="14100"/>
+          <ac:picMkLst>
+            <pc:docMk/>
+            <pc:sldMk cId="3040748827" sldId="284"/>
+            <ac:picMk id="10" creationId="{FA5C4D4E-B089-1BD9-0DE8-E3B1D663028E}"/>
+          </ac:picMkLst>
+        </pc:picChg>
+        <pc:picChg chg="mod">
+          <ac:chgData name="noonsavath nithin" userId="159f9fec75ff079b" providerId="LiveId" clId="{19566193-93DA-4DCE-BBB7-8950101E9D80}" dt="2025-03-06T12:23:13.109" v="157" actId="14100"/>
+          <ac:picMkLst>
+            <pc:docMk/>
+            <pc:sldMk cId="3040748827" sldId="284"/>
+            <ac:picMk id="12" creationId="{C3CBE166-80F2-5FB9-4D27-992C266938FF}"/>
+          </ac:picMkLst>
+        </pc:picChg>
+        <pc:picChg chg="mod">
+          <ac:chgData name="noonsavath nithin" userId="159f9fec75ff079b" providerId="LiveId" clId="{19566193-93DA-4DCE-BBB7-8950101E9D80}" dt="2025-03-06T12:23:21.216" v="159" actId="14100"/>
+          <ac:picMkLst>
+            <pc:docMk/>
+            <pc:sldMk cId="3040748827" sldId="284"/>
+            <ac:picMk id="14" creationId="{45273C42-1D25-0CD0-5C6F-8539D11A2551}"/>
+          </ac:picMkLst>
+        </pc:picChg>
+        <pc:picChg chg="mod">
+          <ac:chgData name="noonsavath nithin" userId="159f9fec75ff079b" providerId="LiveId" clId="{19566193-93DA-4DCE-BBB7-8950101E9D80}" dt="2025-03-06T10:10:52.957" v="30" actId="14100"/>
+          <ac:picMkLst>
+            <pc:docMk/>
+            <pc:sldMk cId="3040748827" sldId="284"/>
+            <ac:picMk id="16" creationId="{56EB20A1-0C43-1966-D6D7-2D586EA4805C}"/>
+          </ac:picMkLst>
+        </pc:picChg>
+        <pc:picChg chg="mod">
+          <ac:chgData name="noonsavath nithin" userId="159f9fec75ff079b" providerId="LiveId" clId="{19566193-93DA-4DCE-BBB7-8950101E9D80}" dt="2025-03-06T10:13:28.285" v="41" actId="1076"/>
+          <ac:picMkLst>
+            <pc:docMk/>
+            <pc:sldMk cId="3040748827" sldId="284"/>
+            <ac:picMk id="20" creationId="{F844C01A-A394-85BE-CB52-E87E03EEA93D}"/>
+          </ac:picMkLst>
+        </pc:picChg>
+        <pc:picChg chg="add mod">
+          <ac:chgData name="noonsavath nithin" userId="159f9fec75ff079b" providerId="LiveId" clId="{19566193-93DA-4DCE-BBB7-8950101E9D80}" dt="2025-03-06T12:23:27.996" v="161" actId="14100"/>
+          <ac:picMkLst>
+            <pc:docMk/>
+            <pc:sldMk cId="3040748827" sldId="284"/>
+            <ac:picMk id="1026" creationId="{D8C53B3D-02FA-A541-D848-1BD2173DD47F}"/>
+          </ac:picMkLst>
+        </pc:picChg>
       </pc:sldChg>
     </pc:docChg>
   </pc:docChgLst>
@@ -302,7 +539,7 @@
           <a:p>
             <a:fld id="{B7268E1E-0E44-426D-905E-8AD9B19D2182}" type="datetimeFigureOut">
               <a:rPr lang="cs-CZ" smtClean="0"/>
-              <a:t>08.05.2024</a:t>
+              <a:t>11.03.2025</a:t>
             </a:fld>
             <a:endParaRPr lang="cs-CZ"/>
           </a:p>
@@ -647,7 +884,7 @@
           <a:p>
             <a:fld id="{B7268E1E-0E44-426D-905E-8AD9B19D2182}" type="datetimeFigureOut">
               <a:rPr lang="cs-CZ" smtClean="0"/>
-              <a:t>08.05.2024</a:t>
+              <a:t>11.03.2025</a:t>
             </a:fld>
             <a:endParaRPr lang="cs-CZ"/>
           </a:p>
@@ -865,7 +1102,7 @@
           <a:p>
             <a:fld id="{B7268E1E-0E44-426D-905E-8AD9B19D2182}" type="datetimeFigureOut">
               <a:rPr lang="cs-CZ" smtClean="0"/>
-              <a:t>08.05.2024</a:t>
+              <a:t>11.03.2025</a:t>
             </a:fld>
             <a:endParaRPr lang="cs-CZ"/>
           </a:p>
@@ -1088,7 +1325,7 @@
           <a:p>
             <a:fld id="{B7268E1E-0E44-426D-905E-8AD9B19D2182}" type="datetimeFigureOut">
               <a:rPr lang="cs-CZ" smtClean="0"/>
-              <a:t>08.05.2024</a:t>
+              <a:t>11.03.2025</a:t>
             </a:fld>
             <a:endParaRPr lang="cs-CZ"/>
           </a:p>
@@ -1311,7 +1548,7 @@
           <a:p>
             <a:fld id="{B7268E1E-0E44-426D-905E-8AD9B19D2182}" type="datetimeFigureOut">
               <a:rPr lang="cs-CZ" smtClean="0"/>
-              <a:t>08.05.2024</a:t>
+              <a:t>11.03.2025</a:t>
             </a:fld>
             <a:endParaRPr lang="cs-CZ"/>
           </a:p>
@@ -1534,7 +1771,7 @@
           <a:p>
             <a:fld id="{B7268E1E-0E44-426D-905E-8AD9B19D2182}" type="datetimeFigureOut">
               <a:rPr lang="cs-CZ" smtClean="0"/>
-              <a:t>08.05.2024</a:t>
+              <a:t>11.03.2025</a:t>
             </a:fld>
             <a:endParaRPr lang="cs-CZ"/>
           </a:p>
@@ -1757,7 +1994,7 @@
           <a:p>
             <a:fld id="{B7268E1E-0E44-426D-905E-8AD9B19D2182}" type="datetimeFigureOut">
               <a:rPr lang="cs-CZ" smtClean="0"/>
-              <a:t>08.05.2024</a:t>
+              <a:t>11.03.2025</a:t>
             </a:fld>
             <a:endParaRPr lang="cs-CZ"/>
           </a:p>
@@ -1980,7 +2217,7 @@
           <a:p>
             <a:fld id="{B7268E1E-0E44-426D-905E-8AD9B19D2182}" type="datetimeFigureOut">
               <a:rPr lang="cs-CZ" smtClean="0"/>
-              <a:t>08.05.2024</a:t>
+              <a:t>11.03.2025</a:t>
             </a:fld>
             <a:endParaRPr lang="cs-CZ"/>
           </a:p>
@@ -2203,7 +2440,7 @@
           <a:p>
             <a:fld id="{B7268E1E-0E44-426D-905E-8AD9B19D2182}" type="datetimeFigureOut">
               <a:rPr lang="cs-CZ" smtClean="0"/>
-              <a:t>08.05.2024</a:t>
+              <a:t>11.03.2025</a:t>
             </a:fld>
             <a:endParaRPr lang="cs-CZ"/>
           </a:p>
@@ -2426,7 +2663,7 @@
           <a:p>
             <a:fld id="{B7268E1E-0E44-426D-905E-8AD9B19D2182}" type="datetimeFigureOut">
               <a:rPr lang="cs-CZ" smtClean="0"/>
-              <a:t>08.05.2024</a:t>
+              <a:t>11.03.2025</a:t>
             </a:fld>
             <a:endParaRPr lang="cs-CZ"/>
           </a:p>
@@ -2644,7 +2881,7 @@
           <a:p>
             <a:fld id="{B7268E1E-0E44-426D-905E-8AD9B19D2182}" type="datetimeFigureOut">
               <a:rPr lang="cs-CZ" smtClean="0"/>
-              <a:t>08.05.2024</a:t>
+              <a:t>11.03.2025</a:t>
             </a:fld>
             <a:endParaRPr lang="cs-CZ"/>
           </a:p>
@@ -2862,7 +3099,7 @@
           <a:p>
             <a:fld id="{B7268E1E-0E44-426D-905E-8AD9B19D2182}" type="datetimeFigureOut">
               <a:rPr lang="cs-CZ" smtClean="0"/>
-              <a:t>08.05.2024</a:t>
+              <a:t>11.03.2025</a:t>
             </a:fld>
             <a:endParaRPr lang="cs-CZ"/>
           </a:p>
@@ -3080,7 +3317,7 @@
           <a:p>
             <a:fld id="{B7268E1E-0E44-426D-905E-8AD9B19D2182}" type="datetimeFigureOut">
               <a:rPr lang="cs-CZ" smtClean="0"/>
-              <a:t>08.05.2024</a:t>
+              <a:t>11.03.2025</a:t>
             </a:fld>
             <a:endParaRPr lang="cs-CZ"/>
           </a:p>
@@ -3298,7 +3535,7 @@
           <a:p>
             <a:fld id="{B7268E1E-0E44-426D-905E-8AD9B19D2182}" type="datetimeFigureOut">
               <a:rPr lang="cs-CZ" smtClean="0"/>
-              <a:t>08.05.2024</a:t>
+              <a:t>11.03.2025</a:t>
             </a:fld>
             <a:endParaRPr lang="cs-CZ"/>
           </a:p>
@@ -3516,7 +3753,7 @@
           <a:p>
             <a:fld id="{B7268E1E-0E44-426D-905E-8AD9B19D2182}" type="datetimeFigureOut">
               <a:rPr lang="cs-CZ" smtClean="0"/>
-              <a:t>08.05.2024</a:t>
+              <a:t>11.03.2025</a:t>
             </a:fld>
             <a:endParaRPr lang="cs-CZ"/>
           </a:p>
@@ -3734,7 +3971,7 @@
           <a:p>
             <a:fld id="{B7268E1E-0E44-426D-905E-8AD9B19D2182}" type="datetimeFigureOut">
               <a:rPr lang="cs-CZ" smtClean="0"/>
-              <a:t>08.05.2024</a:t>
+              <a:t>11.03.2025</a:t>
             </a:fld>
             <a:endParaRPr lang="cs-CZ"/>
           </a:p>
@@ -3957,7 +4194,7 @@
           <a:p>
             <a:fld id="{B7268E1E-0E44-426D-905E-8AD9B19D2182}" type="datetimeFigureOut">
               <a:rPr lang="cs-CZ" smtClean="0"/>
-              <a:t>08.05.2024</a:t>
+              <a:t>11.03.2025</a:t>
             </a:fld>
             <a:endParaRPr lang="cs-CZ"/>
           </a:p>
@@ -4180,7 +4417,7 @@
           <a:p>
             <a:fld id="{B7268E1E-0E44-426D-905E-8AD9B19D2182}" type="datetimeFigureOut">
               <a:rPr lang="cs-CZ" smtClean="0"/>
-              <a:t>08.05.2024</a:t>
+              <a:t>11.03.2025</a:t>
             </a:fld>
             <a:endParaRPr lang="cs-CZ"/>
           </a:p>
@@ -4506,7 +4743,7 @@
             <a:fld id="{1D8BD707-D9CF-40AE-B4C6-C98DA3205C09}" type="datetimeFigureOut">
               <a:rPr lang="en-US" smtClean="0"/>
               <a:pPr/>
-              <a:t>5/8/2024</a:t>
+              <a:t>3/11/2025</a:t>
             </a:fld>
             <a:endParaRPr lang="en-US"/>
           </a:p>
@@ -4671,7 +4908,7 @@
             <a:fld id="{1D8BD707-D9CF-40AE-B4C6-C98DA3205C09}" type="datetimeFigureOut">
               <a:rPr lang="en-US" smtClean="0"/>
               <a:pPr/>
-              <a:t>5/8/2024</a:t>
+              <a:t>3/11/2025</a:t>
             </a:fld>
             <a:endParaRPr lang="en-US"/>
           </a:p>
@@ -4846,7 +5083,7 @@
             <a:fld id="{1D8BD707-D9CF-40AE-B4C6-C98DA3205C09}" type="datetimeFigureOut">
               <a:rPr lang="en-US" smtClean="0"/>
               <a:pPr/>
-              <a:t>5/8/2024</a:t>
+              <a:t>3/11/2025</a:t>
             </a:fld>
             <a:endParaRPr lang="en-US"/>
           </a:p>
@@ -5011,7 +5248,7 @@
             <a:fld id="{1D8BD707-D9CF-40AE-B4C6-C98DA3205C09}" type="datetimeFigureOut">
               <a:rPr lang="en-US" smtClean="0"/>
               <a:pPr/>
-              <a:t>5/8/2024</a:t>
+              <a:t>3/11/2025</a:t>
             </a:fld>
             <a:endParaRPr lang="en-US"/>
           </a:p>
@@ -5253,7 +5490,7 @@
             <a:fld id="{1D8BD707-D9CF-40AE-B4C6-C98DA3205C09}" type="datetimeFigureOut">
               <a:rPr lang="en-US" smtClean="0"/>
               <a:pPr/>
-              <a:t>5/8/2024</a:t>
+              <a:t>3/11/2025</a:t>
             </a:fld>
             <a:endParaRPr lang="en-US"/>
           </a:p>
@@ -5535,7 +5772,7 @@
             <a:fld id="{1D8BD707-D9CF-40AE-B4C6-C98DA3205C09}" type="datetimeFigureOut">
               <a:rPr lang="en-US" smtClean="0"/>
               <a:pPr/>
-              <a:t>5/8/2024</a:t>
+              <a:t>3/11/2025</a:t>
             </a:fld>
             <a:endParaRPr lang="en-US"/>
           </a:p>
@@ -5951,7 +6188,7 @@
             <a:fld id="{1D8BD707-D9CF-40AE-B4C6-C98DA3205C09}" type="datetimeFigureOut">
               <a:rPr lang="en-US" smtClean="0"/>
               <a:pPr/>
-              <a:t>5/8/2024</a:t>
+              <a:t>3/11/2025</a:t>
             </a:fld>
             <a:endParaRPr lang="en-US"/>
           </a:p>
@@ -6065,7 +6302,7 @@
             <a:fld id="{1D8BD707-D9CF-40AE-B4C6-C98DA3205C09}" type="datetimeFigureOut">
               <a:rPr lang="en-US" smtClean="0"/>
               <a:pPr/>
-              <a:t>5/8/2024</a:t>
+              <a:t>3/11/2025</a:t>
             </a:fld>
             <a:endParaRPr lang="en-US"/>
           </a:p>
@@ -6157,7 +6394,7 @@
             <a:fld id="{1D8BD707-D9CF-40AE-B4C6-C98DA3205C09}" type="datetimeFigureOut">
               <a:rPr lang="en-US" smtClean="0"/>
               <a:pPr/>
-              <a:t>5/8/2024</a:t>
+              <a:t>3/11/2025</a:t>
             </a:fld>
             <a:endParaRPr lang="en-US"/>
           </a:p>
@@ -6429,7 +6666,7 @@
             <a:fld id="{1D8BD707-D9CF-40AE-B4C6-C98DA3205C09}" type="datetimeFigureOut">
               <a:rPr lang="en-US" smtClean="0"/>
               <a:pPr/>
-              <a:t>5/8/2024</a:t>
+              <a:t>3/11/2025</a:t>
             </a:fld>
             <a:endParaRPr lang="en-US"/>
           </a:p>
@@ -6678,7 +6915,7 @@
             <a:fld id="{1D8BD707-D9CF-40AE-B4C6-C98DA3205C09}" type="datetimeFigureOut">
               <a:rPr lang="en-US" smtClean="0"/>
               <a:pPr/>
-              <a:t>5/8/2024</a:t>
+              <a:t>3/11/2025</a:t>
             </a:fld>
             <a:endParaRPr lang="en-US"/>
           </a:p>
@@ -6886,7 +7123,7 @@
             <a:fld id="{1D8BD707-D9CF-40AE-B4C6-C98DA3205C09}" type="datetimeFigureOut">
               <a:rPr lang="en-US" smtClean="0"/>
               <a:pPr/>
-              <a:t>5/8/2024</a:t>
+              <a:t>3/11/2025</a:t>
             </a:fld>
             <a:endParaRPr lang="en-US"/>
           </a:p>
@@ -7867,7 +8104,7 @@
         </p:nvGrpSpPr>
         <p:grpSpPr>
           <a:xfrm>
-            <a:off x="1104900" y="824285"/>
+            <a:off x="1104900" y="863908"/>
             <a:ext cx="8750843" cy="8318192"/>
             <a:chOff x="0" y="0"/>
             <a:chExt cx="11667791" cy="11090922"/>
@@ -7992,7 +8229,7 @@
         <p:spPr>
           <a:xfrm>
             <a:off x="235069" y="3280410"/>
-            <a:ext cx="9803425" cy="2612959"/>
+            <a:ext cx="9803425" cy="2640018"/>
           </a:xfrm>
           <a:prstGeom prst="rect">
             <a:avLst/>
@@ -8015,9 +8252,9 @@
                   <a:schemeClr val="bg1"/>
                 </a:solidFill>
                 <a:effectLst/>
-                <a:latin typeface="Söhne"/>
+                <a:latin typeface="Algerian" panose="04020705040A02060702" pitchFamily="82" charset="0"/>
               </a:rPr>
-              <a:t>Student Performance Analysis</a:t>
+              <a:t>Student Academic </a:t>
             </a:r>
           </a:p>
           <a:p>
@@ -8027,21 +8264,15 @@
               </a:lnSpc>
             </a:pPr>
             <a:r>
-              <a:rPr lang="en-US" sz="3600" b="1" i="0" dirty="0">
+              <a:rPr lang="en-US" sz="4400" b="1" i="0" dirty="0">
                 <a:solidFill>
                   <a:schemeClr val="bg1"/>
                 </a:solidFill>
                 <a:effectLst/>
-                <a:latin typeface="Söhne"/>
+                <a:latin typeface="Algerian" panose="04020705040A02060702" pitchFamily="82" charset="0"/>
               </a:rPr>
-              <a:t> Unveiling Success Factors</a:t>
+              <a:t>Performance Analysis</a:t>
             </a:r>
-            <a:endParaRPr lang="en-US" sz="3600" b="1" spc="-105" dirty="0">
-              <a:solidFill>
-                <a:schemeClr val="bg1"/>
-              </a:solidFill>
-              <a:latin typeface="Graphik Regular" panose="020B0503030202060203" pitchFamily="34" charset="0"/>
-            </a:endParaRPr>
           </a:p>
         </p:txBody>
       </p:sp>
@@ -10816,7 +11047,7 @@
             </a:endParaRPr>
           </a:p>
           <a:p>
-            <a:pPr marL="0" marR="0" lvl="0" indent="0" algn="l" defTabSz="914400" rtl="0" eaLnBrk="0" fontAlgn="base" latinLnBrk="0" hangingPunct="0">
+            <a:pPr marL="571500" marR="0" lvl="0" indent="-571500" algn="l" defTabSz="914400" rtl="0" eaLnBrk="0" fontAlgn="base" latinLnBrk="0" hangingPunct="0">
               <a:lnSpc>
                 <a:spcPct val="100000"/>
               </a:lnSpc>
@@ -10828,7 +11059,7 @@
               </a:spcAft>
               <a:buClrTx/>
               <a:buSzTx/>
-              <a:buFontTx/>
+              <a:buFont typeface="Arial" panose="020B0604020202020204" pitchFamily="34" charset="0"/>
               <a:buChar char="•"/>
               <a:tabLst/>
             </a:pPr>
@@ -10847,7 +11078,7 @@
             </a:r>
           </a:p>
           <a:p>
-            <a:pPr marL="0" marR="0" lvl="0" indent="0" algn="l" defTabSz="914400" rtl="0" eaLnBrk="0" fontAlgn="base" latinLnBrk="0" hangingPunct="0">
+            <a:pPr marL="571500" marR="0" lvl="0" indent="-571500" algn="l" defTabSz="914400" rtl="0" eaLnBrk="0" fontAlgn="base" latinLnBrk="0" hangingPunct="0">
               <a:lnSpc>
                 <a:spcPct val="100000"/>
               </a:lnSpc>
@@ -10859,6 +11090,8 @@
               </a:spcAft>
               <a:buClrTx/>
               <a:buSzTx/>
+              <a:buFont typeface="Arial" panose="020B0604020202020204" pitchFamily="34" charset="0"/>
+              <a:buChar char="•"/>
               <a:tabLst/>
             </a:pPr>
             <a:endParaRPr kumimoji="0" lang="en-US" altLang="en-US" sz="3600" b="0" i="0" u="none" strike="noStrike" cap="none" normalizeH="0" baseline="0" dirty="0">
@@ -10873,7 +11106,7 @@
             </a:endParaRPr>
           </a:p>
           <a:p>
-            <a:pPr marL="0" marR="0" lvl="0" indent="0" algn="l" defTabSz="914400" rtl="0" eaLnBrk="0" fontAlgn="base" latinLnBrk="0" hangingPunct="0">
+            <a:pPr marL="571500" marR="0" lvl="0" indent="-571500" algn="l" defTabSz="914400" rtl="0" eaLnBrk="0" fontAlgn="base" latinLnBrk="0" hangingPunct="0">
               <a:lnSpc>
                 <a:spcPct val="100000"/>
               </a:lnSpc>
@@ -10885,7 +11118,7 @@
               </a:spcAft>
               <a:buClrTx/>
               <a:buSzTx/>
-              <a:buFontTx/>
+              <a:buFont typeface="Arial" panose="020B0604020202020204" pitchFamily="34" charset="0"/>
               <a:buChar char="•"/>
               <a:tabLst/>
             </a:pPr>
@@ -10904,7 +11137,7 @@
             </a:r>
           </a:p>
           <a:p>
-            <a:pPr marL="0" marR="0" lvl="0" indent="0" algn="l" defTabSz="914400" rtl="0" eaLnBrk="0" fontAlgn="base" latinLnBrk="0" hangingPunct="0">
+            <a:pPr marL="571500" marR="0" lvl="0" indent="-571500" algn="l" defTabSz="914400" rtl="0" eaLnBrk="0" fontAlgn="base" latinLnBrk="0" hangingPunct="0">
               <a:lnSpc>
                 <a:spcPct val="100000"/>
               </a:lnSpc>
@@ -10916,6 +11149,8 @@
               </a:spcAft>
               <a:buClrTx/>
               <a:buSzTx/>
+              <a:buFont typeface="Arial" panose="020B0604020202020204" pitchFamily="34" charset="0"/>
+              <a:buChar char="•"/>
               <a:tabLst/>
             </a:pPr>
             <a:endParaRPr kumimoji="0" lang="en-US" altLang="en-US" sz="3600" b="0" i="0" u="none" strike="noStrike" cap="none" normalizeH="0" baseline="0" dirty="0">
@@ -10930,7 +11165,7 @@
             </a:endParaRPr>
           </a:p>
           <a:p>
-            <a:pPr marL="0" marR="0" lvl="0" indent="0" algn="l" defTabSz="914400" rtl="0" eaLnBrk="0" fontAlgn="base" latinLnBrk="0" hangingPunct="0">
+            <a:pPr marL="571500" marR="0" lvl="0" indent="-571500" algn="l" defTabSz="914400" rtl="0" eaLnBrk="0" fontAlgn="base" latinLnBrk="0" hangingPunct="0">
               <a:lnSpc>
                 <a:spcPct val="100000"/>
               </a:lnSpc>
@@ -10942,7 +11177,7 @@
               </a:spcAft>
               <a:buClrTx/>
               <a:buSzTx/>
-              <a:buFontTx/>
+              <a:buFont typeface="Arial" panose="020B0604020202020204" pitchFamily="34" charset="0"/>
               <a:buChar char="•"/>
               <a:tabLst/>
             </a:pPr>
@@ -10967,7 +11202,7 @@
             </a:endParaRPr>
           </a:p>
           <a:p>
-            <a:pPr marL="0" marR="0" lvl="0" indent="0" algn="l" defTabSz="914400" rtl="0" eaLnBrk="0" fontAlgn="base" latinLnBrk="0" hangingPunct="0">
+            <a:pPr marL="571500" marR="0" lvl="0" indent="-571500" algn="l" defTabSz="914400" rtl="0" eaLnBrk="0" fontAlgn="base" latinLnBrk="0" hangingPunct="0">
               <a:lnSpc>
                 <a:spcPct val="100000"/>
               </a:lnSpc>
@@ -10979,6 +11214,8 @@
               </a:spcAft>
               <a:buClrTx/>
               <a:buSzTx/>
+              <a:buFont typeface="Arial" panose="020B0604020202020204" pitchFamily="34" charset="0"/>
+              <a:buChar char="•"/>
               <a:tabLst/>
             </a:pPr>
             <a:endParaRPr kumimoji="0" lang="en-US" altLang="en-US" sz="3600" b="0" i="0" u="none" strike="noStrike" cap="none" normalizeH="0" baseline="0" dirty="0">
@@ -10993,7 +11230,7 @@
             </a:endParaRPr>
           </a:p>
           <a:p>
-            <a:pPr marL="0" marR="0" lvl="0" indent="0" algn="l" defTabSz="914400" rtl="0" eaLnBrk="0" fontAlgn="base" latinLnBrk="0" hangingPunct="0">
+            <a:pPr marL="571500" marR="0" lvl="0" indent="-571500" algn="l" defTabSz="914400" rtl="0" eaLnBrk="0" fontAlgn="base" latinLnBrk="0" hangingPunct="0">
               <a:lnSpc>
                 <a:spcPct val="100000"/>
               </a:lnSpc>
@@ -11005,7 +11242,7 @@
               </a:spcAft>
               <a:buClrTx/>
               <a:buSzTx/>
-              <a:buFontTx/>
+              <a:buFont typeface="Arial" panose="020B0604020202020204" pitchFamily="34" charset="0"/>
               <a:buChar char="•"/>
               <a:tabLst/>
             </a:pPr>
@@ -11024,7 +11261,7 @@
             </a:r>
           </a:p>
           <a:p>
-            <a:pPr marL="0" marR="0" lvl="0" indent="0" algn="l" defTabSz="914400" rtl="0" eaLnBrk="0" fontAlgn="base" latinLnBrk="0" hangingPunct="0">
+            <a:pPr marL="571500" marR="0" lvl="0" indent="-571500" algn="l" defTabSz="914400" rtl="0" eaLnBrk="0" fontAlgn="base" latinLnBrk="0" hangingPunct="0">
               <a:lnSpc>
                 <a:spcPct val="100000"/>
               </a:lnSpc>
@@ -11036,7 +11273,7 @@
               </a:spcAft>
               <a:buClrTx/>
               <a:buSzTx/>
-              <a:buFontTx/>
+              <a:buFont typeface="Arial" panose="020B0604020202020204" pitchFamily="34" charset="0"/>
               <a:buChar char="•"/>
               <a:tabLst/>
             </a:pPr>
@@ -11052,7 +11289,7 @@
             </a:endParaRPr>
           </a:p>
           <a:p>
-            <a:pPr marL="0" marR="0" lvl="0" indent="0" algn="l" defTabSz="914400" rtl="0" eaLnBrk="0" fontAlgn="base" latinLnBrk="0" hangingPunct="0">
+            <a:pPr marL="571500" marR="0" lvl="0" indent="-571500" algn="l" defTabSz="914400" rtl="0" eaLnBrk="0" fontAlgn="base" latinLnBrk="0" hangingPunct="0">
               <a:lnSpc>
                 <a:spcPct val="100000"/>
               </a:lnSpc>
@@ -11064,7 +11301,7 @@
               </a:spcAft>
               <a:buClrTx/>
               <a:buSzTx/>
-              <a:buFontTx/>
+              <a:buFont typeface="Arial" panose="020B0604020202020204" pitchFamily="34" charset="0"/>
               <a:buChar char="•"/>
               <a:tabLst/>
             </a:pPr>
@@ -11898,7 +12135,7 @@
         </p:nvGrpSpPr>
         <p:grpSpPr>
           <a:xfrm>
-            <a:off x="10108101" y="4730357"/>
+            <a:off x="9937324" y="4650787"/>
             <a:ext cx="2085137" cy="2085137"/>
             <a:chOff x="0" y="0"/>
             <a:chExt cx="6350000" cy="6350000"/>
@@ -11977,7 +12214,7 @@
         </p:nvSpPr>
         <p:spPr>
           <a:xfrm>
-            <a:off x="2236264" y="1599914"/>
+            <a:off x="2051960" y="1557530"/>
             <a:ext cx="6750815" cy="6635945"/>
           </a:xfrm>
           <a:prstGeom prst="rect">
@@ -11998,7 +12235,7 @@
         </p:nvGrpSpPr>
         <p:grpSpPr>
           <a:xfrm>
-            <a:off x="9657587" y="1772197"/>
+            <a:off x="9524261" y="1750811"/>
             <a:ext cx="2085137" cy="2085137"/>
             <a:chOff x="0" y="0"/>
             <a:chExt cx="6350000" cy="6350000"/>
@@ -12141,7 +12378,7 @@
         </p:nvGrpSpPr>
         <p:grpSpPr>
           <a:xfrm>
-            <a:off x="1540560" y="7147216"/>
+            <a:off x="1378557" y="6906127"/>
             <a:ext cx="2085137" cy="2085137"/>
             <a:chOff x="0" y="0"/>
             <a:chExt cx="6350000" cy="6350000"/>
@@ -12396,7 +12633,7 @@
           <a:p>
             <a:r>
               <a:rPr lang="en-US" sz="2800" dirty="0"/>
-              <a:t>Data set creation</a:t>
+              <a:t>Data Collection</a:t>
             </a:r>
           </a:p>
         </p:txBody>
@@ -12763,7 +13000,7 @@
         </p:nvGrpSpPr>
         <p:grpSpPr>
           <a:xfrm>
-            <a:off x="1485399" y="1727398"/>
+            <a:off x="1320423" y="1735994"/>
             <a:ext cx="2085137" cy="2085137"/>
             <a:chOff x="0" y="0"/>
             <a:chExt cx="6350000" cy="6350000"/>
@@ -13232,15 +13469,15 @@
               <a:t>Namilla </a:t>
             </a:r>
             <a:r>
-              <a:rPr lang="en-US" sz="2800" b="1" err="1"/>
+              <a:rPr lang="en-US" sz="2800" b="1" dirty="0" err="1"/>
               <a:t>Pundarikam</a:t>
             </a:r>
-            <a:endParaRPr lang="en-US" sz="2800" b="1"/>
+            <a:endParaRPr lang="en-US" sz="2800" b="1" dirty="0"/>
           </a:p>
           <a:p>
             <a:r>
               <a:rPr lang="en-US" sz="2800" dirty="0"/>
-              <a:t>Dataset creation</a:t>
+              <a:t>Data Collection</a:t>
             </a:r>
           </a:p>
         </p:txBody>
@@ -14896,7 +15133,32 @@
                 </a:highlight>
                 <a:latin typeface="Söhne"/>
               </a:rPr>
-              <a:t>Hello everyone, today we're diving into the world of student performance. Our goal? To understand what makes some students succeed while others struggle.</a:t>
+              <a:t>Hello everyone, today we're diving into the world of student academic performance. Our goal? To understand what makes some students succeed while others struggle</a:t>
+            </a:r>
+            <a:r>
+              <a:rPr lang="en-US" sz="2800" dirty="0">
+                <a:solidFill>
+                  <a:srgbClr val="0D0D0D"/>
+                </a:solidFill>
+                <a:highlight>
+                  <a:srgbClr val="FFFFFF"/>
+                </a:highlight>
+                <a:latin typeface="Söhne"/>
+              </a:rPr>
+              <a:t> in their Academics</a:t>
+            </a:r>
+            <a:r>
+              <a:rPr lang="en-US" sz="2800" b="0" i="0" dirty="0">
+                <a:solidFill>
+                  <a:srgbClr val="0D0D0D"/>
+                </a:solidFill>
+                <a:effectLst/>
+                <a:highlight>
+                  <a:srgbClr val="FFFFFF"/>
+                </a:highlight>
+                <a:latin typeface="Söhne"/>
+              </a:rPr>
+              <a:t>.</a:t>
             </a:r>
             <a:r>
               <a:rPr lang="en-US" sz="2800" dirty="0"/>
@@ -14904,10 +15166,14 @@
             </a:r>
           </a:p>
           <a:p>
+            <a:pPr marL="342900" indent="-342900">
+              <a:buFont typeface="Arial" panose="020B0604020202020204" pitchFamily="34" charset="0"/>
+              <a:buChar char="•"/>
+            </a:pPr>
             <a:endParaRPr lang="en-US" sz="2400" b="1" dirty="0"/>
           </a:p>
           <a:p>
-            <a:pPr algn="l">
+            <a:pPr marL="342900" indent="-342900" algn="l">
               <a:buFont typeface="Arial" panose="020B0604020202020204" pitchFamily="34" charset="0"/>
               <a:buChar char="•"/>
             </a:pPr>
@@ -14922,11 +15188,11 @@
                 </a:highlight>
                 <a:latin typeface="Söhne"/>
               </a:rPr>
-              <a:t> Exploring student performance data</a:t>
+              <a:t> Exploring student academic performance data</a:t>
             </a:r>
           </a:p>
           <a:p>
-            <a:pPr algn="l">
+            <a:pPr marL="342900" indent="-342900" algn="l">
               <a:buFont typeface="Arial" panose="020B0604020202020204" pitchFamily="34" charset="0"/>
               <a:buChar char="•"/>
             </a:pPr>
@@ -14942,7 +15208,7 @@
             </a:endParaRPr>
           </a:p>
           <a:p>
-            <a:pPr>
+            <a:pPr marL="342900" indent="-342900">
               <a:buFont typeface="Arial" panose="020B0604020202020204" pitchFamily="34" charset="0"/>
               <a:buChar char="•"/>
             </a:pPr>
@@ -14961,7 +15227,7 @@
             </a:r>
           </a:p>
           <a:p>
-            <a:pPr>
+            <a:pPr marL="342900" indent="-342900">
               <a:buFont typeface="Arial" panose="020B0604020202020204" pitchFamily="34" charset="0"/>
               <a:buChar char="•"/>
             </a:pPr>
@@ -14977,7 +15243,7 @@
             </a:endParaRPr>
           </a:p>
           <a:p>
-            <a:pPr>
+            <a:pPr marL="342900" indent="-342900">
               <a:buFont typeface="Arial" panose="020B0604020202020204" pitchFamily="34" charset="0"/>
               <a:buChar char="•"/>
             </a:pPr>
@@ -14992,25 +15258,14 @@
                 </a:highlight>
                 <a:latin typeface="Söhne"/>
               </a:rPr>
-              <a:t>Objective: Understand relationships between academic</a:t>
+              <a:t>Objective: Understand relationships between academic metrics and students results</a:t>
             </a:r>
           </a:p>
           <a:p>
-            <a:r>
-              <a:rPr lang="en-US" sz="2400" b="1" i="0" dirty="0">
-                <a:solidFill>
-                  <a:srgbClr val="0D0D0D"/>
-                </a:solidFill>
-                <a:effectLst/>
-                <a:highlight>
-                  <a:srgbClr val="FFFFFF"/>
-                </a:highlight>
-                <a:latin typeface="Söhne"/>
-              </a:rPr>
-              <a:t> metrics and student results</a:t>
-            </a:r>
-          </a:p>
-          <a:p>
+            <a:pPr marL="342900" indent="-342900">
+              <a:buFont typeface="Arial" panose="020B0604020202020204" pitchFamily="34" charset="0"/>
+              <a:buChar char="•"/>
+            </a:pPr>
             <a:endParaRPr lang="en-US" sz="2400" b="1" i="0" dirty="0">
               <a:solidFill>
                 <a:srgbClr val="0D0D0D"/>
@@ -15023,7 +15278,7 @@
             </a:endParaRPr>
           </a:p>
           <a:p>
-            <a:pPr>
+            <a:pPr marL="342900" indent="-342900">
               <a:buFont typeface="Arial" panose="020B0604020202020204" pitchFamily="34" charset="0"/>
               <a:buChar char="•"/>
             </a:pPr>
@@ -15042,7 +15297,10 @@
             </a:r>
           </a:p>
           <a:p>
-            <a:pPr algn="l"/>
+            <a:pPr marL="342900" indent="-342900" algn="l">
+              <a:buFont typeface="Arial" panose="020B0604020202020204" pitchFamily="34" charset="0"/>
+              <a:buChar char="•"/>
+            </a:pPr>
             <a:endParaRPr lang="en-IN" sz="2400" b="0" i="0" dirty="0">
               <a:solidFill>
                 <a:srgbClr val="0D0D0D"/>
@@ -15784,7 +16042,27 @@
                 <a:effectLst/>
                 <a:latin typeface="Söhne"/>
               </a:rPr>
-              <a:t>Our goal is to identify the factors influencing students' promotion percentages.</a:t>
+              <a:t>Our goal is to identify the factors influencing students</a:t>
+            </a:r>
+            <a:r>
+              <a:rPr lang="en-US" sz="2800" b="1" i="0">
+                <a:solidFill>
+                  <a:schemeClr val="bg1"/>
+                </a:solidFill>
+                <a:effectLst/>
+                <a:latin typeface="Söhne"/>
+              </a:rPr>
+              <a:t>' promoting </a:t>
+            </a:r>
+            <a:r>
+              <a:rPr lang="en-US" sz="2800" b="1" i="0" dirty="0">
+                <a:solidFill>
+                  <a:schemeClr val="bg1"/>
+                </a:solidFill>
+                <a:effectLst/>
+                <a:latin typeface="Söhne"/>
+              </a:rPr>
+              <a:t>percentages.</a:t>
             </a:r>
           </a:p>
           <a:p>
@@ -16080,12 +16358,20 @@
         </p:blipFill>
         <p:spPr>
           <a:xfrm>
-            <a:off x="1143000" y="2302907"/>
-            <a:ext cx="4419600" cy="2152650"/>
-          </a:xfrm>
-          <a:prstGeom prst="rect">
-            <a:avLst/>
-          </a:prstGeom>
+            <a:off x="1143000" y="2504319"/>
+            <a:ext cx="4419600" cy="2354066"/>
+          </a:xfrm>
+          <a:prstGeom prst="rect">
+            <a:avLst/>
+          </a:prstGeom>
+          <a:ln>
+            <a:solidFill>
+              <a:schemeClr val="tx1">
+                <a:lumMod val="95000"/>
+                <a:lumOff val="5000"/>
+              </a:schemeClr>
+            </a:solidFill>
+          </a:ln>
         </p:spPr>
       </p:pic>
       <p:pic>
@@ -16116,12 +16402,20 @@
         </p:blipFill>
         <p:spPr>
           <a:xfrm>
-            <a:off x="5943600" y="2302906"/>
-            <a:ext cx="4572000" cy="2152651"/>
-          </a:xfrm>
-          <a:prstGeom prst="rect">
-            <a:avLst/>
-          </a:prstGeom>
+            <a:off x="11114353" y="5196205"/>
+            <a:ext cx="4572000" cy="2224406"/>
+          </a:xfrm>
+          <a:prstGeom prst="rect">
+            <a:avLst/>
+          </a:prstGeom>
+          <a:ln>
+            <a:solidFill>
+              <a:schemeClr val="tx1">
+                <a:lumMod val="95000"/>
+                <a:lumOff val="5000"/>
+              </a:schemeClr>
+            </a:solidFill>
+          </a:ln>
         </p:spPr>
       </p:pic>
       <p:pic>
@@ -16151,8 +16445,8 @@
         </p:blipFill>
         <p:spPr>
           <a:xfrm>
-            <a:off x="10752666" y="2302905"/>
-            <a:ext cx="4783668" cy="2152651"/>
+            <a:off x="6066366" y="2504319"/>
+            <a:ext cx="4783668" cy="2354066"/>
           </a:xfrm>
           <a:prstGeom prst="rect">
             <a:avLst/>
@@ -16187,12 +16481,20 @@
         </p:blipFill>
         <p:spPr>
           <a:xfrm>
-            <a:off x="963878" y="4493895"/>
-            <a:ext cx="4795837" cy="2886074"/>
-          </a:xfrm>
-          <a:prstGeom prst="rect">
-            <a:avLst/>
-          </a:prstGeom>
+            <a:off x="963878" y="5196205"/>
+            <a:ext cx="4795837" cy="2183764"/>
+          </a:xfrm>
+          <a:prstGeom prst="rect">
+            <a:avLst/>
+          </a:prstGeom>
+          <a:ln>
+            <a:solidFill>
+              <a:schemeClr val="tx1">
+                <a:lumMod val="95000"/>
+                <a:lumOff val="5000"/>
+              </a:schemeClr>
+            </a:solidFill>
+          </a:ln>
         </p:spPr>
       </p:pic>
       <p:pic>
@@ -16223,7 +16525,7 @@
         </p:blipFill>
         <p:spPr>
           <a:xfrm>
-            <a:off x="10752666" y="4858386"/>
+            <a:off x="6019800" y="5143500"/>
             <a:ext cx="4783668" cy="2275840"/>
           </a:xfrm>
           <a:prstGeom prst="rect">
@@ -16233,15 +16535,15 @@
       </p:pic>
       <p:pic>
         <p:nvPicPr>
-          <p:cNvPr id="22" name="Picture 21">
+          <p:cNvPr id="1026" name="Picture 2" descr="6 Best Python Libraries for Data Science - Learn | Hevo">
             <a:extLst>
               <a:ext uri="{FF2B5EF4-FFF2-40B4-BE49-F238E27FC236}">
-                <a16:creationId xmlns:a16="http://schemas.microsoft.com/office/drawing/2014/main" id="{7F1E77CC-DEE9-E10E-9781-98D438D5961B}"/>
+                <a16:creationId xmlns:a16="http://schemas.microsoft.com/office/drawing/2014/main" id="{D8C53B3D-02FA-A541-D848-1BD2173DD47F}"/>
               </a:ext>
             </a:extLst>
           </p:cNvPr>
           <p:cNvPicPr>
-            <a:picLocks noChangeAspect="1"/>
+            <a:picLocks noChangeAspect="1" noChangeArrowheads="1"/>
           </p:cNvPicPr>
           <p:nvPr/>
         </p:nvPicPr>
@@ -16253,20 +16555,129 @@
               </a:ext>
             </a:extLst>
           </a:blip>
+          <a:srcRect/>
           <a:stretch>
             <a:fillRect/>
           </a:stretch>
         </p:blipFill>
-        <p:spPr>
-          <a:xfrm>
-            <a:off x="5943600" y="4858386"/>
-            <a:ext cx="4572000" cy="2275840"/>
-          </a:xfrm>
-          <a:prstGeom prst="rect">
-            <a:avLst/>
-          </a:prstGeom>
+        <p:spPr bwMode="auto">
+          <a:xfrm>
+            <a:off x="11353800" y="2504319"/>
+            <a:ext cx="4526280" cy="2354066"/>
+          </a:xfrm>
+          <a:prstGeom prst="rect">
+            <a:avLst/>
+          </a:prstGeom>
+          <a:noFill/>
+          <a:ln>
+            <a:solidFill>
+              <a:schemeClr val="tx1">
+                <a:lumMod val="95000"/>
+                <a:lumOff val="5000"/>
+              </a:schemeClr>
+            </a:solidFill>
+          </a:ln>
+          <a:extLst>
+            <a:ext uri="{909E8E84-426E-40DD-AFC4-6F175D3DCCD1}">
+              <a14:hiddenFill xmlns:a14="http://schemas.microsoft.com/office/drawing/2010/main">
+                <a:solidFill>
+                  <a:srgbClr val="FFFFFF"/>
+                </a:solidFill>
+              </a14:hiddenFill>
+            </a:ext>
+          </a:extLst>
         </p:spPr>
       </p:pic>
+      <p:sp>
+        <p:nvSpPr>
+          <p:cNvPr id="6" name="AutoShape 4" descr="NumPy logo refresh · Issue #37 · numpy/numpy.org · GitHub">
+            <a:extLst>
+              <a:ext uri="{FF2B5EF4-FFF2-40B4-BE49-F238E27FC236}">
+                <a16:creationId xmlns:a16="http://schemas.microsoft.com/office/drawing/2014/main" id="{A81BB882-BDBE-797E-B97F-4EDFA0BB0735}"/>
+              </a:ext>
+            </a:extLst>
+          </p:cNvPr>
+          <p:cNvSpPr>
+            <a:spLocks noChangeAspect="1" noChangeArrowheads="1"/>
+          </p:cNvSpPr>
+          <p:nvPr/>
+        </p:nvSpPr>
+        <p:spPr bwMode="auto">
+          <a:xfrm>
+            <a:off x="8991600" y="4991100"/>
+            <a:ext cx="304800" cy="304800"/>
+          </a:xfrm>
+          <a:prstGeom prst="rect">
+            <a:avLst/>
+          </a:prstGeom>
+          <a:noFill/>
+          <a:extLst>
+            <a:ext uri="{909E8E84-426E-40DD-AFC4-6F175D3DCCD1}">
+              <a14:hiddenFill xmlns:a14="http://schemas.microsoft.com/office/drawing/2010/main">
+                <a:solidFill>
+                  <a:srgbClr val="FFFFFF"/>
+                </a:solidFill>
+              </a14:hiddenFill>
+            </a:ext>
+          </a:extLst>
+        </p:spPr>
+        <p:txBody>
+          <a:bodyPr vert="horz" wrap="square" lIns="91440" tIns="45720" rIns="91440" bIns="45720" numCol="1" anchor="t" anchorCtr="0" compatLnSpc="1">
+            <a:prstTxWarp prst="textNoShape">
+              <a:avLst/>
+            </a:prstTxWarp>
+          </a:bodyPr>
+          <a:lstStyle/>
+          <a:p>
+            <a:endParaRPr lang="en-US"/>
+          </a:p>
+        </p:txBody>
+      </p:sp>
+      <p:sp>
+        <p:nvSpPr>
+          <p:cNvPr id="9" name="AutoShape 6" descr="NumPy logo refresh · Issue #37 · numpy/numpy.org · GitHub">
+            <a:extLst>
+              <a:ext uri="{FF2B5EF4-FFF2-40B4-BE49-F238E27FC236}">
+                <a16:creationId xmlns:a16="http://schemas.microsoft.com/office/drawing/2014/main" id="{4648B50A-89BD-7CA0-F807-30C3F8D32955}"/>
+              </a:ext>
+            </a:extLst>
+          </p:cNvPr>
+          <p:cNvSpPr>
+            <a:spLocks noChangeAspect="1" noChangeArrowheads="1"/>
+          </p:cNvSpPr>
+          <p:nvPr/>
+        </p:nvSpPr>
+        <p:spPr bwMode="auto">
+          <a:xfrm>
+            <a:off x="9144000" y="5143500"/>
+            <a:ext cx="304800" cy="304800"/>
+          </a:xfrm>
+          <a:prstGeom prst="rect">
+            <a:avLst/>
+          </a:prstGeom>
+          <a:noFill/>
+          <a:extLst>
+            <a:ext uri="{909E8E84-426E-40DD-AFC4-6F175D3DCCD1}">
+              <a14:hiddenFill xmlns:a14="http://schemas.microsoft.com/office/drawing/2010/main">
+                <a:solidFill>
+                  <a:srgbClr val="FFFFFF"/>
+                </a:solidFill>
+              </a14:hiddenFill>
+            </a:ext>
+          </a:extLst>
+        </p:spPr>
+        <p:txBody>
+          <a:bodyPr vert="horz" wrap="square" lIns="91440" tIns="45720" rIns="91440" bIns="45720" numCol="1" anchor="t" anchorCtr="0" compatLnSpc="1">
+            <a:prstTxWarp prst="textNoShape">
+              <a:avLst/>
+            </a:prstTxWarp>
+          </a:bodyPr>
+          <a:lstStyle/>
+          <a:p>
+            <a:endParaRPr lang="en-US"/>
+          </a:p>
+        </p:txBody>
+      </p:sp>
     </p:spTree>
     <p:extLst>
       <p:ext uri="{BB962C8B-B14F-4D97-AF65-F5344CB8AC3E}">
@@ -17523,13 +17934,22 @@
                 </a:solidFill>
                 <a:latin typeface="Graphik Regular" panose="020B0503030202060203" pitchFamily="34" charset="0"/>
               </a:rPr>
-              <a:t>Problem Identification</a:t>
+              <a:t>Problem </a:t>
+            </a:r>
+            <a:r>
+              <a:rPr lang="en-US" sz="4400" b="1" spc="-80" dirty="0">
+                <a:solidFill>
+                  <a:schemeClr val="bg1"/>
+                </a:solidFill>
+                <a:latin typeface="+mj-lt"/>
+              </a:rPr>
+              <a:t>Identification</a:t>
             </a:r>
             <a:endParaRPr lang="en-US" sz="7200" b="1" spc="-80" dirty="0">
               <a:solidFill>
                 <a:schemeClr val="bg1"/>
               </a:solidFill>
-              <a:latin typeface="Graphik Regular" panose="020B0503030202060203" pitchFamily="34" charset="0"/>
+              <a:latin typeface="+mj-lt"/>
             </a:endParaRPr>
           </a:p>
         </p:txBody>
@@ -17572,7 +17992,7 @@
                 <a:solidFill>
                   <a:schemeClr val="bg1"/>
                 </a:solidFill>
-                <a:latin typeface="Graphik Regular" panose="020B0503030202060203" pitchFamily="34" charset="0"/>
+                <a:latin typeface="+mj-lt"/>
               </a:rPr>
               <a:t>Data Collection and Preparation</a:t>
             </a:r>
@@ -17580,7 +18000,7 @@
               <a:solidFill>
                 <a:schemeClr val="bg1"/>
               </a:solidFill>
-              <a:latin typeface="Graphik Regular" panose="020B0503030202060203" pitchFamily="34" charset="0"/>
+              <a:latin typeface="+mj-lt"/>
             </a:endParaRPr>
           </a:p>
         </p:txBody>
@@ -17665,20 +18085,14 @@
           <a:lstStyle/>
           <a:p>
             <a:r>
-              <a:rPr lang="en-US" sz="4400" b="1" i="0" dirty="0">
+              <a:rPr lang="en-US" sz="4400" b="1" dirty="0">
                 <a:solidFill>
                   <a:schemeClr val="bg1"/>
                 </a:solidFill>
-                <a:effectLst/>
-                <a:latin typeface="Söhne"/>
+                <a:latin typeface="+mj-lt"/>
               </a:rPr>
-              <a:t>Influencing Factors</a:t>
+              <a:t>Identifying Influencing Factors</a:t>
             </a:r>
-            <a:endParaRPr lang="en-US" sz="4400" b="1" dirty="0">
-              <a:solidFill>
-                <a:schemeClr val="bg1"/>
-              </a:solidFill>
-            </a:endParaRPr>
           </a:p>
         </p:txBody>
       </p:sp>
@@ -17696,8 +18110,8 @@
         </p:nvSpPr>
         <p:spPr>
           <a:xfrm>
-            <a:off x="11316731" y="8025289"/>
-            <a:ext cx="3929728" cy="769441"/>
+            <a:off x="11316730" y="8025289"/>
+            <a:ext cx="5675869" cy="769441"/>
           </a:xfrm>
           <a:prstGeom prst="rect">
             <a:avLst/>
@@ -17710,14 +18124,301 @@
           </a:bodyPr>
           <a:lstStyle/>
           <a:p>
+            <a:r>
+              <a:rPr lang="en-US" sz="4400" b="1" dirty="0">
+                <a:solidFill>
+                  <a:schemeClr val="bg1"/>
+                </a:solidFill>
+                <a:latin typeface="+mj-lt"/>
+              </a:rPr>
+              <a:t>Developing</a:t>
+            </a:r>
+            <a:r>
+              <a:rPr lang="en-US" sz="4400" dirty="0">
+                <a:solidFill>
+                  <a:schemeClr val="bg1"/>
+                </a:solidFill>
+              </a:rPr>
+              <a:t> </a:t>
+            </a:r>
             <a:r>
               <a:rPr lang="en-US" sz="4400" b="1" dirty="0">
                 <a:solidFill>
                   <a:schemeClr val="bg1"/>
                 </a:solidFill>
               </a:rPr>
-              <a:t>Data overview</a:t>
+              <a:t>Solutions</a:t>
             </a:r>
+          </a:p>
+        </p:txBody>
+      </p:sp>
+      <p:sp>
+        <p:nvSpPr>
+          <p:cNvPr id="40" name="Rectangle 1">
+            <a:extLst>
+              <a:ext uri="{FF2B5EF4-FFF2-40B4-BE49-F238E27FC236}">
+                <a16:creationId xmlns:a16="http://schemas.microsoft.com/office/drawing/2014/main" id="{A8D96C7D-9BE4-0068-7D24-C217894888DE}"/>
+              </a:ext>
+            </a:extLst>
+          </p:cNvPr>
+          <p:cNvSpPr>
+            <a:spLocks noChangeArrowheads="1"/>
+          </p:cNvSpPr>
+          <p:nvPr/>
+        </p:nvSpPr>
+        <p:spPr bwMode="auto">
+          <a:xfrm>
+            <a:off x="0" y="0"/>
+            <a:ext cx="18288000" cy="0"/>
+          </a:xfrm>
+          <a:prstGeom prst="rect">
+            <a:avLst/>
+          </a:prstGeom>
+          <a:noFill/>
+          <a:ln>
+            <a:noFill/>
+          </a:ln>
+          <a:effectLst/>
+          <a:extLst>
+            <a:ext uri="{909E8E84-426E-40DD-AFC4-6F175D3DCCD1}">
+              <a14:hiddenFill xmlns:a14="http://schemas.microsoft.com/office/drawing/2010/main">
+                <a:solidFill>
+                  <a:schemeClr val="accent1"/>
+                </a:solidFill>
+              </a14:hiddenFill>
+            </a:ext>
+            <a:ext uri="{91240B29-F687-4F45-9708-019B960494DF}">
+              <a14:hiddenLine xmlns:a14="http://schemas.microsoft.com/office/drawing/2010/main" w="9525">
+                <a:solidFill>
+                  <a:schemeClr val="tx1"/>
+                </a:solidFill>
+                <a:miter lim="800000"/>
+                <a:headEnd/>
+                <a:tailEnd/>
+              </a14:hiddenLine>
+            </a:ext>
+            <a:ext uri="{AF507438-7753-43E0-B8FC-AC1667EBCBE1}">
+              <a14:hiddenEffects xmlns:a14="http://schemas.microsoft.com/office/drawing/2010/main">
+                <a:effectLst>
+                  <a:outerShdw dist="35921" dir="2700000" algn="ctr" rotWithShape="0">
+                    <a:schemeClr val="bg2"/>
+                  </a:outerShdw>
+                </a:effectLst>
+              </a14:hiddenEffects>
+            </a:ext>
+          </a:extLst>
+        </p:spPr>
+        <p:txBody>
+          <a:bodyPr vert="horz" wrap="none" lIns="91440" tIns="45720" rIns="91440" bIns="45720" numCol="1" anchor="ctr" anchorCtr="0" compatLnSpc="1">
+            <a:prstTxWarp prst="textNoShape">
+              <a:avLst/>
+            </a:prstTxWarp>
+            <a:spAutoFit/>
+          </a:bodyPr>
+          <a:lstStyle/>
+          <a:p>
+            <a:pPr marL="0" marR="0" lvl="0" indent="0" algn="l" defTabSz="914400" rtl="0" eaLnBrk="0" fontAlgn="base" latinLnBrk="0" hangingPunct="0">
+              <a:lnSpc>
+                <a:spcPct val="100000"/>
+              </a:lnSpc>
+              <a:spcBef>
+                <a:spcPct val="0"/>
+              </a:spcBef>
+              <a:spcAft>
+                <a:spcPct val="0"/>
+              </a:spcAft>
+              <a:buClrTx/>
+              <a:buSzTx/>
+              <a:buFontTx/>
+              <a:buChar char="•"/>
+              <a:tabLst/>
+            </a:pPr>
+            <a:r>
+              <a:rPr kumimoji="0" lang="en-US" altLang="en-US" sz="1800" b="1" i="0" u="none" strike="noStrike" cap="none" normalizeH="0" baseline="0">
+                <a:ln>
+                  <a:noFill/>
+                </a:ln>
+                <a:solidFill>
+                  <a:schemeClr val="tx1"/>
+                </a:solidFill>
+                <a:effectLst/>
+                <a:latin typeface="Arial" panose="020B0604020202020204" pitchFamily="34" charset="0"/>
+              </a:rPr>
+              <a:t>Identifying Influencing Factors</a:t>
+            </a:r>
+            <a:endParaRPr kumimoji="0" lang="en-US" altLang="en-US" sz="1800" b="0" i="0" u="none" strike="noStrike" cap="none" normalizeH="0" baseline="0">
+              <a:ln>
+                <a:noFill/>
+              </a:ln>
+              <a:solidFill>
+                <a:schemeClr val="tx1"/>
+              </a:solidFill>
+              <a:effectLst/>
+              <a:latin typeface="Arial" panose="020B0604020202020204" pitchFamily="34" charset="0"/>
+            </a:endParaRPr>
+          </a:p>
+          <a:p>
+            <a:pPr marL="0" marR="0" lvl="0" indent="0" algn="l" defTabSz="914400" rtl="0" eaLnBrk="0" fontAlgn="base" latinLnBrk="0" hangingPunct="0">
+              <a:lnSpc>
+                <a:spcPct val="100000"/>
+              </a:lnSpc>
+              <a:spcBef>
+                <a:spcPct val="0"/>
+              </a:spcBef>
+              <a:spcAft>
+                <a:spcPct val="0"/>
+              </a:spcAft>
+              <a:buClrTx/>
+              <a:buSzTx/>
+              <a:buFontTx/>
+              <a:buChar char="•"/>
+              <a:tabLst/>
+            </a:pPr>
+            <a:endParaRPr kumimoji="0" lang="en-US" altLang="en-US" sz="1800" b="0" i="0" u="none" strike="noStrike" cap="none" normalizeH="0" baseline="0">
+              <a:ln>
+                <a:noFill/>
+              </a:ln>
+              <a:solidFill>
+                <a:schemeClr val="tx1"/>
+              </a:solidFill>
+              <a:effectLst/>
+              <a:latin typeface="Arial" panose="020B0604020202020204" pitchFamily="34" charset="0"/>
+            </a:endParaRPr>
+          </a:p>
+        </p:txBody>
+      </p:sp>
+      <p:sp>
+        <p:nvSpPr>
+          <p:cNvPr id="45" name="Rectangle 2">
+            <a:extLst>
+              <a:ext uri="{FF2B5EF4-FFF2-40B4-BE49-F238E27FC236}">
+                <a16:creationId xmlns:a16="http://schemas.microsoft.com/office/drawing/2014/main" id="{DB822393-617A-8004-6A85-3D894B92F9A8}"/>
+              </a:ext>
+            </a:extLst>
+          </p:cNvPr>
+          <p:cNvSpPr>
+            <a:spLocks noChangeArrowheads="1"/>
+          </p:cNvSpPr>
+          <p:nvPr/>
+        </p:nvSpPr>
+        <p:spPr bwMode="auto">
+          <a:xfrm>
+            <a:off x="152400" y="152400"/>
+            <a:ext cx="18288000" cy="0"/>
+          </a:xfrm>
+          <a:prstGeom prst="rect">
+            <a:avLst/>
+          </a:prstGeom>
+          <a:noFill/>
+          <a:ln>
+            <a:noFill/>
+          </a:ln>
+          <a:effectLst/>
+          <a:extLst>
+            <a:ext uri="{909E8E84-426E-40DD-AFC4-6F175D3DCCD1}">
+              <a14:hiddenFill xmlns:a14="http://schemas.microsoft.com/office/drawing/2010/main">
+                <a:solidFill>
+                  <a:schemeClr val="accent1"/>
+                </a:solidFill>
+              </a14:hiddenFill>
+            </a:ext>
+            <a:ext uri="{91240B29-F687-4F45-9708-019B960494DF}">
+              <a14:hiddenLine xmlns:a14="http://schemas.microsoft.com/office/drawing/2010/main" w="9525">
+                <a:solidFill>
+                  <a:schemeClr val="tx1"/>
+                </a:solidFill>
+                <a:miter lim="800000"/>
+                <a:headEnd/>
+                <a:tailEnd/>
+              </a14:hiddenLine>
+            </a:ext>
+            <a:ext uri="{AF507438-7753-43E0-B8FC-AC1667EBCBE1}">
+              <a14:hiddenEffects xmlns:a14="http://schemas.microsoft.com/office/drawing/2010/main">
+                <a:effectLst>
+                  <a:outerShdw dist="35921" dir="2700000" algn="ctr" rotWithShape="0">
+                    <a:schemeClr val="bg2"/>
+                  </a:outerShdw>
+                </a:effectLst>
+              </a14:hiddenEffects>
+            </a:ext>
+          </a:extLst>
+        </p:spPr>
+        <p:txBody>
+          <a:bodyPr vert="horz" wrap="none" lIns="91440" tIns="45720" rIns="91440" bIns="45720" numCol="1" anchor="ctr" anchorCtr="0" compatLnSpc="1">
+            <a:prstTxWarp prst="textNoShape">
+              <a:avLst/>
+            </a:prstTxWarp>
+            <a:spAutoFit/>
+          </a:bodyPr>
+          <a:lstStyle/>
+          <a:p>
+            <a:pPr marL="0" marR="0" lvl="0" indent="0" algn="l" defTabSz="914400" rtl="0" eaLnBrk="0" fontAlgn="base" latinLnBrk="0" hangingPunct="0">
+              <a:lnSpc>
+                <a:spcPct val="100000"/>
+              </a:lnSpc>
+              <a:spcBef>
+                <a:spcPct val="0"/>
+              </a:spcBef>
+              <a:spcAft>
+                <a:spcPct val="0"/>
+              </a:spcAft>
+              <a:buClrTx/>
+              <a:buSzTx/>
+              <a:buFontTx/>
+              <a:buChar char="•"/>
+              <a:tabLst/>
+            </a:pPr>
+            <a:r>
+              <a:rPr kumimoji="0" lang="en-US" altLang="en-US" sz="1800" b="1" i="0" u="none" strike="noStrike" cap="none" normalizeH="0" baseline="0">
+                <a:ln>
+                  <a:noFill/>
+                </a:ln>
+                <a:solidFill>
+                  <a:schemeClr val="tx1"/>
+                </a:solidFill>
+                <a:effectLst/>
+                <a:latin typeface="Arial" panose="020B0604020202020204" pitchFamily="34" charset="0"/>
+              </a:rPr>
+              <a:t>Identifying Influencing Factors</a:t>
+            </a:r>
+            <a:endParaRPr kumimoji="0" lang="en-US" altLang="en-US" sz="1800" b="0" i="0" u="none" strike="noStrike" cap="none" normalizeH="0" baseline="0">
+              <a:ln>
+                <a:noFill/>
+              </a:ln>
+              <a:solidFill>
+                <a:schemeClr val="tx1"/>
+              </a:solidFill>
+              <a:effectLst/>
+              <a:latin typeface="Arial" panose="020B0604020202020204" pitchFamily="34" charset="0"/>
+            </a:endParaRPr>
+          </a:p>
+          <a:p>
+            <a:pPr marL="0" marR="0" lvl="0" indent="0" algn="l" defTabSz="914400" rtl="0" eaLnBrk="0" fontAlgn="base" latinLnBrk="0" hangingPunct="0">
+              <a:lnSpc>
+                <a:spcPct val="100000"/>
+              </a:lnSpc>
+              <a:spcBef>
+                <a:spcPct val="0"/>
+              </a:spcBef>
+              <a:spcAft>
+                <a:spcPct val="0"/>
+              </a:spcAft>
+              <a:buClrTx/>
+              <a:buSzTx/>
+              <a:buFontTx/>
+              <a:buChar char="•"/>
+              <a:tabLst/>
+            </a:pPr>
+            <a:endParaRPr kumimoji="0" lang="en-US" altLang="en-US" sz="1800" b="0" i="0" u="none" strike="noStrike" cap="none" normalizeH="0" baseline="0">
+              <a:ln>
+                <a:noFill/>
+              </a:ln>
+              <a:solidFill>
+                <a:schemeClr val="tx1"/>
+              </a:solidFill>
+              <a:effectLst/>
+              <a:latin typeface="Arial" panose="020B0604020202020204" pitchFamily="34" charset="0"/>
+            </a:endParaRPr>
           </a:p>
         </p:txBody>
       </p:sp>
@@ -18288,7 +18989,7 @@
           </a:bodyPr>
           <a:lstStyle/>
           <a:p>
-            <a:pPr algn="l">
+            <a:pPr marL="457200" indent="-457200" algn="l">
               <a:buFont typeface="Arial" panose="020B0604020202020204" pitchFamily="34" charset="0"/>
               <a:buChar char="•"/>
             </a:pPr>
@@ -18307,7 +19008,10 @@
             </a:r>
           </a:p>
           <a:p>
-            <a:pPr algn="l"/>
+            <a:pPr marL="457200" indent="-457200" algn="l">
+              <a:buFont typeface="Arial" panose="020B0604020202020204" pitchFamily="34" charset="0"/>
+              <a:buChar char="•"/>
+            </a:pPr>
             <a:endParaRPr lang="en-US" sz="2800" b="1" i="0" dirty="0">
               <a:solidFill>
                 <a:srgbClr val="0D0D0D"/>
@@ -18320,7 +19024,7 @@
             </a:endParaRPr>
           </a:p>
           <a:p>
-            <a:pPr algn="l">
+            <a:pPr marL="457200" indent="-457200" algn="l">
               <a:buFont typeface="Arial" panose="020B0604020202020204" pitchFamily="34" charset="0"/>
               <a:buChar char="•"/>
             </a:pPr>
@@ -18339,7 +19043,10 @@
             </a:r>
           </a:p>
           <a:p>
-            <a:pPr algn="l"/>
+            <a:pPr marL="457200" indent="-457200" algn="l">
+              <a:buFont typeface="Arial" panose="020B0604020202020204" pitchFamily="34" charset="0"/>
+              <a:buChar char="•"/>
+            </a:pPr>
             <a:endParaRPr lang="en-US" sz="2800" b="1" i="0" dirty="0">
               <a:solidFill>
                 <a:srgbClr val="0D0D0D"/>
@@ -18352,7 +19059,7 @@
             </a:endParaRPr>
           </a:p>
           <a:p>
-            <a:pPr algn="l">
+            <a:pPr marL="457200" indent="-457200" algn="l">
               <a:buFont typeface="Arial" panose="020B0604020202020204" pitchFamily="34" charset="0"/>
               <a:buChar char="•"/>
             </a:pPr>
